--- a/Section7 - DS/intr_ds.pptx
+++ b/Section7 - DS/intr_ds.pptx
@@ -286,7 +286,7 @@
           <a:p>
             <a:fld id="{E74E859F-B85D-48BC-8D12-55CB0DBF2C8D}" type="datetimeFigureOut">
               <a:rPr lang="en-US" smtClean="0"/>
-              <a:t>12/24/2019</a:t>
+              <a:t>6/16/2020</a:t>
             </a:fld>
             <a:endParaRPr lang="en-US"/>
           </a:p>
@@ -730,7 +730,7 @@
             </a:extLst>
           </p:cNvPr>
           <p:cNvSpPr>
-            <a:spLocks noChangeArrowheads="1" noTextEdit="1"/>
+            <a:spLocks noGrp="1" noRot="1" noChangeAspect="1" noChangeArrowheads="1" noTextEdit="1"/>
           </p:cNvSpPr>
           <p:nvPr>
             <p:ph type="sldImg"/>
@@ -976,7 +976,7 @@
             </a:extLst>
           </p:cNvPr>
           <p:cNvSpPr>
-            <a:spLocks noChangeArrowheads="1" noTextEdit="1"/>
+            <a:spLocks noGrp="1" noRot="1" noChangeAspect="1" noChangeArrowheads="1" noTextEdit="1"/>
           </p:cNvSpPr>
           <p:nvPr>
             <p:ph type="sldImg"/>
@@ -1227,7 +1227,7 @@
             </a:extLst>
           </p:cNvPr>
           <p:cNvSpPr>
-            <a:spLocks noChangeArrowheads="1" noTextEdit="1"/>
+            <a:spLocks noGrp="1" noRot="1" noChangeAspect="1" noChangeArrowheads="1" noTextEdit="1"/>
           </p:cNvSpPr>
           <p:nvPr>
             <p:ph type="sldImg"/>
@@ -1250,7 +1250,7 @@
             </a:extLst>
           </p:cNvPr>
           <p:cNvSpPr>
-            <a:spLocks noChangeArrowheads="1"/>
+            <a:spLocks noGrp="1" noChangeArrowheads="1"/>
           </p:cNvSpPr>
           <p:nvPr>
             <p:ph type="body" idx="1"/>
@@ -1479,7 +1479,7 @@
             </a:extLst>
           </p:cNvPr>
           <p:cNvSpPr>
-            <a:spLocks noChangeArrowheads="1" noTextEdit="1"/>
+            <a:spLocks noGrp="1" noRot="1" noChangeAspect="1" noChangeArrowheads="1" noTextEdit="1"/>
           </p:cNvSpPr>
           <p:nvPr>
             <p:ph type="sldImg"/>
@@ -1740,7 +1740,7 @@
             </a:extLst>
           </p:cNvPr>
           <p:cNvSpPr>
-            <a:spLocks noChangeArrowheads="1" noTextEdit="1"/>
+            <a:spLocks noGrp="1" noRot="1" noChangeAspect="1" noChangeArrowheads="1" noTextEdit="1"/>
           </p:cNvSpPr>
           <p:nvPr>
             <p:ph type="sldImg"/>
@@ -1983,7 +1983,7 @@
             </a:extLst>
           </p:cNvPr>
           <p:cNvSpPr>
-            <a:spLocks noChangeArrowheads="1" noTextEdit="1"/>
+            <a:spLocks noGrp="1" noRot="1" noChangeAspect="1" noChangeArrowheads="1" noTextEdit="1"/>
           </p:cNvSpPr>
           <p:nvPr>
             <p:ph type="sldImg"/>
@@ -2244,7 +2244,7 @@
             </a:extLst>
           </p:cNvPr>
           <p:cNvSpPr>
-            <a:spLocks noChangeArrowheads="1" noTextEdit="1"/>
+            <a:spLocks noGrp="1" noRot="1" noChangeAspect="1" noChangeArrowheads="1" noTextEdit="1"/>
           </p:cNvSpPr>
           <p:nvPr>
             <p:ph type="sldImg"/>
@@ -2487,7 +2487,7 @@
             </a:extLst>
           </p:cNvPr>
           <p:cNvSpPr>
-            <a:spLocks noChangeArrowheads="1" noTextEdit="1"/>
+            <a:spLocks noGrp="1" noRot="1" noChangeAspect="1" noChangeArrowheads="1" noTextEdit="1"/>
           </p:cNvSpPr>
           <p:nvPr>
             <p:ph type="sldImg"/>
@@ -2730,7 +2730,7 @@
             </a:extLst>
           </p:cNvPr>
           <p:cNvSpPr>
-            <a:spLocks noChangeArrowheads="1" noTextEdit="1"/>
+            <a:spLocks noGrp="1" noRot="1" noChangeAspect="1" noChangeArrowheads="1" noTextEdit="1"/>
           </p:cNvSpPr>
           <p:nvPr>
             <p:ph type="sldImg"/>
@@ -2973,7 +2973,7 @@
             </a:extLst>
           </p:cNvPr>
           <p:cNvSpPr>
-            <a:spLocks noChangeArrowheads="1" noTextEdit="1"/>
+            <a:spLocks noGrp="1" noRot="1" noChangeAspect="1" noChangeArrowheads="1" noTextEdit="1"/>
           </p:cNvSpPr>
           <p:nvPr>
             <p:ph type="sldImg"/>
@@ -3216,7 +3216,7 @@
             </a:extLst>
           </p:cNvPr>
           <p:cNvSpPr>
-            <a:spLocks noChangeArrowheads="1" noTextEdit="1"/>
+            <a:spLocks noGrp="1" noRot="1" noChangeAspect="1" noChangeArrowheads="1" noTextEdit="1"/>
           </p:cNvSpPr>
           <p:nvPr>
             <p:ph type="sldImg"/>
@@ -11912,7 +11912,7 @@
           <a:lstStyle/>
           <a:p>
             <a:r>
-              <a:rPr lang="en-AU" altLang="en-US">
+              <a:rPr lang="en-AU" altLang="en-US" dirty="0">
                 <a:latin typeface="Times New Roman" panose="02020603050405020304" pitchFamily="18" charset="0"/>
                 <a:cs typeface="Times New Roman" panose="02020603050405020304" pitchFamily="18" charset="0"/>
               </a:rPr>
@@ -11921,7 +11921,7 @@
           </a:p>
           <a:p>
             <a:r>
-              <a:rPr lang="en-AU" altLang="en-US">
+              <a:rPr lang="en-AU" altLang="en-US" dirty="0">
                 <a:latin typeface="Times New Roman" panose="02020603050405020304" pitchFamily="18" charset="0"/>
                 <a:cs typeface="Times New Roman" panose="02020603050405020304" pitchFamily="18" charset="0"/>
               </a:rPr>
@@ -11930,7 +11930,7 @@
           </a:p>
           <a:p>
             <a:r>
-              <a:rPr lang="en-AU" altLang="en-US">
+              <a:rPr lang="en-AU" altLang="en-US" dirty="0">
                 <a:latin typeface="Times New Roman" panose="02020603050405020304" pitchFamily="18" charset="0"/>
                 <a:cs typeface="Times New Roman" panose="02020603050405020304" pitchFamily="18" charset="0"/>
               </a:rPr>
@@ -12017,7 +12017,7 @@
           <a:lstStyle/>
           <a:p>
             <a:r>
-              <a:rPr lang="en-AU" altLang="en-US">
+              <a:rPr lang="en-AU" altLang="en-US" dirty="0">
                 <a:latin typeface="Times New Roman" panose="02020603050405020304" pitchFamily="18" charset="0"/>
                 <a:cs typeface="Times New Roman" panose="02020603050405020304" pitchFamily="18" charset="0"/>
               </a:rPr>
@@ -12026,7 +12026,7 @@
           </a:p>
           <a:p>
             <a:r>
-              <a:rPr lang="en-AU" altLang="en-US">
+              <a:rPr lang="en-AU" altLang="en-US" dirty="0">
                 <a:latin typeface="Times New Roman" panose="02020603050405020304" pitchFamily="18" charset="0"/>
                 <a:cs typeface="Times New Roman" panose="02020603050405020304" pitchFamily="18" charset="0"/>
               </a:rPr>
@@ -12308,7 +12308,7 @@
           <a:lstStyle/>
           <a:p>
             <a:r>
-              <a:rPr lang="en-AU" altLang="en-US">
+              <a:rPr lang="en-AU" altLang="en-US" dirty="0">
                 <a:latin typeface="Times New Roman" panose="02020603050405020304" pitchFamily="18" charset="0"/>
                 <a:cs typeface="Times New Roman" panose="02020603050405020304" pitchFamily="18" charset="0"/>
               </a:rPr>
@@ -12317,19 +12317,19 @@
           </a:p>
           <a:p>
             <a:r>
-              <a:rPr lang="en-AU" altLang="en-US">
+              <a:rPr lang="en-AU" altLang="en-US" dirty="0">
                 <a:latin typeface="Times New Roman" panose="02020603050405020304" pitchFamily="18" charset="0"/>
                 <a:cs typeface="Times New Roman" panose="02020603050405020304" pitchFamily="18" charset="0"/>
               </a:rPr>
               <a:t>A non-primitive data structure is built out of primitive data structures linked together in meaningful ways, such as a or a linked-list, binary search tree, AVL Tree, graph etc. </a:t>
             </a:r>
             <a:br>
-              <a:rPr lang="en-AU" altLang="en-US">
+              <a:rPr lang="en-AU" altLang="en-US" dirty="0">
                 <a:latin typeface="Times New Roman" panose="02020603050405020304" pitchFamily="18" charset="0"/>
                 <a:cs typeface="Times New Roman" panose="02020603050405020304" pitchFamily="18" charset="0"/>
               </a:rPr>
             </a:br>
-            <a:endParaRPr lang="en-AU" altLang="en-US">
+            <a:endParaRPr lang="en-AU" altLang="en-US" dirty="0">
               <a:latin typeface="Times New Roman" panose="02020603050405020304" pitchFamily="18" charset="0"/>
               <a:cs typeface="Times New Roman" panose="02020603050405020304" pitchFamily="18" charset="0"/>
             </a:endParaRPr>
@@ -12843,7 +12843,7 @@
           <a:p>
             <a:pPr eaLnBrk="1" hangingPunct="1"/>
             <a:r>
-              <a:rPr lang="en-US" altLang="en-US">
+              <a:rPr lang="en-US" altLang="en-US" dirty="0">
                 <a:latin typeface="Helvetica" panose="020B0604020202020204" pitchFamily="34" charset="0"/>
               </a:rPr>
               <a:t>Metaphors</a:t>
@@ -12961,7 +12961,7 @@
               <a:rPr lang="en-US" altLang="en-US" dirty="0">
                 <a:latin typeface="Helvetica" panose="020B0604020202020204" pitchFamily="34" charset="0"/>
               </a:rPr>
-              <a:t>CPU.</a:t>
+              <a:t>CPU -&gt; GPU.</a:t>
             </a:r>
           </a:p>
           <a:p>
@@ -14055,7 +14055,7 @@
         </p:nvSpPr>
         <p:spPr bwMode="auto">
           <a:xfrm>
-            <a:off x="1828800" y="2286000"/>
+            <a:off x="1827552" y="2302668"/>
             <a:ext cx="2514600" cy="1004888"/>
           </a:xfrm>
           <a:prstGeom prst="rect">
@@ -14197,7 +14197,7 @@
               </a:spcBef>
             </a:pPr>
             <a:r>
-              <a:rPr lang="en-US" altLang="en-US">
+              <a:rPr lang="en-US" altLang="en-US" dirty="0">
                 <a:latin typeface="Helvetica" panose="020B0604020202020204" pitchFamily="34" charset="0"/>
               </a:rPr>
               <a:t>ADT:</a:t>
@@ -14213,7 +14213,7 @@
               </a:spcBef>
             </a:pPr>
             <a:r>
-              <a:rPr lang="en-US" altLang="en-US">
+              <a:rPr lang="en-US" altLang="en-US" dirty="0">
                 <a:latin typeface="Helvetica" panose="020B0604020202020204" pitchFamily="34" charset="0"/>
               </a:rPr>
               <a:t>Type</a:t>
@@ -14229,7 +14229,7 @@
               </a:spcBef>
             </a:pPr>
             <a:r>
-              <a:rPr lang="en-US" altLang="en-US">
+              <a:rPr lang="en-US" altLang="en-US" dirty="0">
                 <a:latin typeface="Helvetica" panose="020B0604020202020204" pitchFamily="34" charset="0"/>
               </a:rPr>
               <a:t>Operations</a:t>
@@ -14395,7 +14395,7 @@
               </a:spcBef>
             </a:pPr>
             <a:r>
-              <a:rPr lang="en-US" altLang="en-US">
+              <a:rPr lang="en-US" altLang="en-US" dirty="0">
                 <a:latin typeface="Helvetica" panose="020B0604020202020204" pitchFamily="34" charset="0"/>
               </a:rPr>
               <a:t>Data Items:  </a:t>
@@ -14411,7 +14411,7 @@
               </a:spcBef>
             </a:pPr>
             <a:r>
-              <a:rPr lang="en-US" altLang="en-US">
+              <a:rPr lang="en-US" altLang="en-US" dirty="0">
                 <a:latin typeface="Helvetica" panose="020B0604020202020204" pitchFamily="34" charset="0"/>
               </a:rPr>
               <a:t>  Logical Form</a:t>
@@ -15046,7 +15046,7 @@
           <a:p>
             <a:pPr algn="l" eaLnBrk="1" hangingPunct="1"/>
             <a:r>
-              <a:rPr lang="en-US" altLang="en-US">
+              <a:rPr lang="en-US" altLang="en-US" dirty="0">
                 <a:latin typeface="Helvetica" panose="020B0604020202020204" pitchFamily="34" charset="0"/>
               </a:rPr>
               <a:t>Data Structure:</a:t>
@@ -15055,7 +15055,7 @@
           <a:p>
             <a:pPr lvl="1" algn="l" eaLnBrk="1" hangingPunct="1"/>
             <a:r>
-              <a:rPr lang="en-US" altLang="en-US">
+              <a:rPr lang="en-US" altLang="en-US" dirty="0">
                 <a:latin typeface="Helvetica" panose="020B0604020202020204" pitchFamily="34" charset="0"/>
               </a:rPr>
               <a:t>Storage Space</a:t>
@@ -15064,7 +15064,7 @@
           <a:p>
             <a:pPr lvl="1" algn="l" eaLnBrk="1" hangingPunct="1"/>
             <a:r>
-              <a:rPr lang="en-US" altLang="en-US">
+              <a:rPr lang="en-US" altLang="en-US" dirty="0">
                 <a:latin typeface="Helvetica" panose="020B0604020202020204" pitchFamily="34" charset="0"/>
               </a:rPr>
               <a:t>Subroutines</a:t>
@@ -15155,7 +15155,7 @@
               <a:buNone/>
             </a:pPr>
             <a:r>
-              <a:rPr lang="en-US" altLang="en-US">
+              <a:rPr lang="en-US" altLang="en-US" dirty="0">
                 <a:latin typeface="Helvetica" panose="020B0604020202020204" pitchFamily="34" charset="0"/>
                 <a:cs typeface="Helvetica" panose="020B0604020202020204" pitchFamily="34" charset="0"/>
               </a:rPr>
@@ -15526,7 +15526,7 @@
           <a:p>
             <a:pPr eaLnBrk="1" hangingPunct="1"/>
             <a:r>
-              <a:rPr lang="en-GB" altLang="en-US" sz="4400">
+              <a:rPr lang="en-GB" altLang="en-US" sz="4400" dirty="0">
                 <a:solidFill>
                   <a:schemeClr val="tx2"/>
                 </a:solidFill>
@@ -15811,7 +15811,7 @@
               <a:buChar char="•"/>
             </a:pPr>
             <a:r>
-              <a:rPr lang="en-GB" altLang="en-US" sz="3200">
+              <a:rPr lang="en-GB" altLang="en-US" sz="3200" dirty="0">
                 <a:latin typeface="Helvetica" panose="020B0604020202020204" pitchFamily="34" charset="0"/>
               </a:rPr>
               <a:t>Managing large-scale projects involves scheduling activities</a:t>
@@ -15826,7 +15826,7 @@
               <a:buChar char="–"/>
             </a:pPr>
             <a:r>
-              <a:rPr lang="en-GB" altLang="en-US" sz="2800">
+              <a:rPr lang="en-GB" altLang="en-US" sz="2800" dirty="0">
                 <a:latin typeface="Helvetica" panose="020B0604020202020204" pitchFamily="34" charset="0"/>
               </a:rPr>
               <a:t>It is human nature to work better toward intermediate milestones.</a:t>
@@ -15841,7 +15841,7 @@
               <a:buChar char="•"/>
             </a:pPr>
             <a:r>
-              <a:rPr lang="en-GB" altLang="en-US" sz="3200">
+              <a:rPr lang="en-GB" altLang="en-US" sz="3200" dirty="0">
                 <a:latin typeface="Helvetica" panose="020B0604020202020204" pitchFamily="34" charset="0"/>
               </a:rPr>
               <a:t>The same concepts can/should be applied to mid-sized projects encountered in class.</a:t>
@@ -15856,7 +15856,7 @@
               <a:buChar char="–"/>
             </a:pPr>
             <a:r>
-              <a:rPr lang="en-GB" altLang="en-US" sz="2800">
+              <a:rPr lang="en-GB" altLang="en-US" sz="2800" dirty="0">
                 <a:latin typeface="Helvetica" panose="020B0604020202020204" pitchFamily="34" charset="0"/>
               </a:rPr>
               <a:t>For any project needing more than a week to complete, break into parts and design a schedule with milestones and deliverables.</a:t>
@@ -15871,7 +15871,7 @@
               <a:buChar char="–"/>
             </a:pPr>
             <a:r>
-              <a:rPr lang="en-GB" altLang="en-US" sz="2800">
+              <a:rPr lang="en-GB" altLang="en-US" sz="2800" dirty="0">
                 <a:latin typeface="Helvetica" panose="020B0604020202020204" pitchFamily="34" charset="0"/>
               </a:rPr>
               <a:t>Find some way to keep track of details.</a:t>
@@ -15888,7 +15888,7 @@
   <p:timing>
     <p:tnLst>
       <p:par>
-        <p:cTn id="1" dur="indefinite" nodeType="tmRoot">
+        <p:cTn id="1" dur="indefinite" restart="never" nodeType="tmRoot">
           <p:childTnLst>
             <p:seq concurrent="1" nextAc="seek">
               <p:cTn id="2" dur="0" nodeType="mainSeq"/>
@@ -16102,7 +16102,7 @@
         </p:nvSpPr>
         <p:spPr>
           <a:xfrm>
-            <a:off x="971550" y="2060575"/>
+            <a:off x="899592" y="1844824"/>
             <a:ext cx="7961313" cy="4114800"/>
           </a:xfrm>
         </p:spPr>
@@ -16111,7 +16111,7 @@
           <a:lstStyle/>
           <a:p>
             <a:r>
-              <a:rPr lang="en-AU" altLang="en-US">
+              <a:rPr lang="en-AU" altLang="en-US" dirty="0">
                 <a:latin typeface="Times New Roman" panose="02020603050405020304" pitchFamily="18" charset="0"/>
                 <a:cs typeface="Times New Roman" panose="02020603050405020304" pitchFamily="18" charset="0"/>
               </a:rPr>
@@ -16124,33 +16124,61 @@
               <a:buNone/>
             </a:pPr>
             <a:r>
-              <a:rPr lang="en-AU" altLang="en-US" sz="3200">
+              <a:rPr lang="en-AU" altLang="en-US" sz="3200" dirty="0">
                 <a:latin typeface="Times New Roman" panose="02020603050405020304" pitchFamily="18" charset="0"/>
                 <a:cs typeface="Times New Roman" panose="02020603050405020304" pitchFamily="18" charset="0"/>
               </a:rPr>
-              <a:t>  int arr[10]</a:t>
-            </a:r>
-          </a:p>
-          <a:p>
-            <a:r>
-              <a:rPr lang="en-AU" altLang="en-US">
+              <a:t>  int </a:t>
+            </a:r>
+            <a:r>
+              <a:rPr lang="en-AU" altLang="en-US" sz="3200" dirty="0" err="1">
                 <a:latin typeface="Times New Roman" panose="02020603050405020304" pitchFamily="18" charset="0"/>
                 <a:cs typeface="Times New Roman" panose="02020603050405020304" pitchFamily="18" charset="0"/>
               </a:rPr>
+              <a:t>arr</a:t>
+            </a:r>
+            <a:r>
+              <a:rPr lang="en-AU" altLang="en-US" sz="3200" dirty="0">
+                <a:latin typeface="Times New Roman" panose="02020603050405020304" pitchFamily="18" charset="0"/>
+                <a:cs typeface="Times New Roman" panose="02020603050405020304" pitchFamily="18" charset="0"/>
+              </a:rPr>
+              <a:t>[10]</a:t>
+            </a:r>
+          </a:p>
+          <a:p>
+            <a:r>
+              <a:rPr lang="en-AU" altLang="en-US" dirty="0">
+                <a:latin typeface="Times New Roman" panose="02020603050405020304" pitchFamily="18" charset="0"/>
+                <a:cs typeface="Times New Roman" panose="02020603050405020304" pitchFamily="18" charset="0"/>
+              </a:rPr>
               <a:t>Where int specifies the data type or type of elements arrays stores. </a:t>
             </a:r>
           </a:p>
           <a:p>
             <a:r>
-              <a:rPr lang="en-AU" altLang="en-US">
+              <a:rPr lang="en-AU" altLang="en-US" dirty="0">
                 <a:latin typeface="Times New Roman" panose="02020603050405020304" pitchFamily="18" charset="0"/>
                 <a:cs typeface="Times New Roman" panose="02020603050405020304" pitchFamily="18" charset="0"/>
               </a:rPr>
-              <a:t>“arr” is the name of array &amp; the number specified inside the square brackets is the number of elements an array can store, this is also called sized or length of array.</a:t>
-            </a:r>
-          </a:p>
-          <a:p>
-            <a:endParaRPr lang="en-AU" altLang="en-US">
+              <a:t>“</a:t>
+            </a:r>
+            <a:r>
+              <a:rPr lang="en-AU" altLang="en-US" dirty="0" err="1">
+                <a:latin typeface="Times New Roman" panose="02020603050405020304" pitchFamily="18" charset="0"/>
+                <a:cs typeface="Times New Roman" panose="02020603050405020304" pitchFamily="18" charset="0"/>
+              </a:rPr>
+              <a:t>arr</a:t>
+            </a:r>
+            <a:r>
+              <a:rPr lang="en-AU" altLang="en-US" dirty="0">
+                <a:latin typeface="Times New Roman" panose="02020603050405020304" pitchFamily="18" charset="0"/>
+                <a:cs typeface="Times New Roman" panose="02020603050405020304" pitchFamily="18" charset="0"/>
+              </a:rPr>
+              <a:t>” is the name of array &amp; the number specified inside the square brackets is the number of elements an array can store, this is also called sized or length of array.</a:t>
+            </a:r>
+          </a:p>
+          <a:p>
+            <a:endParaRPr lang="en-AU" altLang="en-US" dirty="0">
               <a:latin typeface="Times New Roman" panose="02020603050405020304" pitchFamily="18" charset="0"/>
               <a:cs typeface="Times New Roman" panose="02020603050405020304" pitchFamily="18" charset="0"/>
             </a:endParaRPr>
@@ -16240,7 +16268,7 @@
               </a:lnSpc>
             </a:pPr>
             <a:r>
-              <a:rPr lang="en-AU" altLang="en-US">
+              <a:rPr lang="en-AU" altLang="en-US" dirty="0">
                 <a:latin typeface="Times New Roman" panose="02020603050405020304" pitchFamily="18" charset="0"/>
                 <a:cs typeface="Times New Roman" panose="02020603050405020304" pitchFamily="18" charset="0"/>
               </a:rPr>
@@ -16254,7 +16282,7 @@
               </a:lnSpc>
             </a:pPr>
             <a:r>
-              <a:rPr lang="en-AU" altLang="en-US" sz="3200">
+              <a:rPr lang="en-AU" altLang="en-US" sz="3200" dirty="0">
                 <a:latin typeface="Times New Roman" panose="02020603050405020304" pitchFamily="18" charset="0"/>
                 <a:cs typeface="Times New Roman" panose="02020603050405020304" pitchFamily="18" charset="0"/>
               </a:rPr>
@@ -16268,11 +16296,39 @@
               </a:lnSpc>
             </a:pPr>
             <a:r>
-              <a:rPr lang="en-AU" altLang="en-US" sz="3200">
+              <a:rPr lang="en-AU" altLang="en-US" sz="3200" dirty="0">
                 <a:latin typeface="Times New Roman" panose="02020603050405020304" pitchFamily="18" charset="0"/>
                 <a:cs typeface="Times New Roman" panose="02020603050405020304" pitchFamily="18" charset="0"/>
               </a:rPr>
-              <a:t>The first element of the array has index zero[0]. It means the first element and last element will be specified as:arr[0] &amp; arr[9]</a:t>
+              <a:t>The first element of the array has index zero[0]. It means the first element and last element will be specified </a:t>
+            </a:r>
+            <a:r>
+              <a:rPr lang="en-AU" altLang="en-US" sz="3200" dirty="0" err="1">
+                <a:latin typeface="Times New Roman" panose="02020603050405020304" pitchFamily="18" charset="0"/>
+                <a:cs typeface="Times New Roman" panose="02020603050405020304" pitchFamily="18" charset="0"/>
+              </a:rPr>
+              <a:t>as:arr</a:t>
+            </a:r>
+            <a:r>
+              <a:rPr lang="en-AU" altLang="en-US" sz="3200" dirty="0">
+                <a:latin typeface="Times New Roman" panose="02020603050405020304" pitchFamily="18" charset="0"/>
+                <a:cs typeface="Times New Roman" panose="02020603050405020304" pitchFamily="18" charset="0"/>
+              </a:rPr>
+              <a:t>[0] &amp; </a:t>
+            </a:r>
+            <a:r>
+              <a:rPr lang="en-AU" altLang="en-US" sz="3200" dirty="0" err="1">
+                <a:latin typeface="Times New Roman" panose="02020603050405020304" pitchFamily="18" charset="0"/>
+                <a:cs typeface="Times New Roman" panose="02020603050405020304" pitchFamily="18" charset="0"/>
+              </a:rPr>
+              <a:t>arr</a:t>
+            </a:r>
+            <a:r>
+              <a:rPr lang="en-AU" altLang="en-US" sz="3200" dirty="0">
+                <a:latin typeface="Times New Roman" panose="02020603050405020304" pitchFamily="18" charset="0"/>
+                <a:cs typeface="Times New Roman" panose="02020603050405020304" pitchFamily="18" charset="0"/>
+              </a:rPr>
+              <a:t>[9]</a:t>
             </a:r>
           </a:p>
           <a:p>
@@ -16284,7 +16340,7 @@
               <a:buNone/>
             </a:pPr>
             <a:r>
-              <a:rPr lang="en-AU" altLang="en-US" sz="3200">
+              <a:rPr lang="en-AU" altLang="en-US" sz="3200" dirty="0">
                 <a:latin typeface="Times New Roman" panose="02020603050405020304" pitchFamily="18" charset="0"/>
                 <a:cs typeface="Times New Roman" panose="02020603050405020304" pitchFamily="18" charset="0"/>
               </a:rPr>
@@ -16381,7 +16437,7 @@
               </a:lnSpc>
             </a:pPr>
             <a:r>
-              <a:rPr lang="en-AU" altLang="en-US" sz="3200">
+              <a:rPr lang="en-AU" altLang="en-US" sz="3200" dirty="0">
                 <a:latin typeface="Times New Roman" panose="02020603050405020304" pitchFamily="18" charset="0"/>
                 <a:cs typeface="Times New Roman" panose="02020603050405020304" pitchFamily="18" charset="0"/>
               </a:rPr>
@@ -16395,7 +16451,7 @@
               </a:lnSpc>
             </a:pPr>
             <a:r>
-              <a:rPr lang="en-AU" altLang="en-US" sz="3200">
+              <a:rPr lang="en-AU" altLang="en-US" sz="3200" dirty="0">
                 <a:latin typeface="Times New Roman" panose="02020603050405020304" pitchFamily="18" charset="0"/>
                 <a:cs typeface="Times New Roman" panose="02020603050405020304" pitchFamily="18" charset="0"/>
               </a:rPr>
@@ -16411,11 +16467,25 @@
               <a:buNone/>
             </a:pPr>
             <a:r>
-              <a:rPr lang="en-AU" altLang="en-US" sz="3200">
+              <a:rPr lang="en-AU" altLang="en-US" sz="3200" dirty="0">
                 <a:latin typeface="Times New Roman" panose="02020603050405020304" pitchFamily="18" charset="0"/>
                 <a:cs typeface="Times New Roman" panose="02020603050405020304" pitchFamily="18" charset="0"/>
               </a:rPr>
-              <a:t>(Upperbound-lowerbound)+1</a:t>
+              <a:t>(</a:t>
+            </a:r>
+            <a:r>
+              <a:rPr lang="en-AU" altLang="en-US" sz="3200" dirty="0" err="1">
+                <a:latin typeface="Times New Roman" panose="02020603050405020304" pitchFamily="18" charset="0"/>
+                <a:cs typeface="Times New Roman" panose="02020603050405020304" pitchFamily="18" charset="0"/>
+              </a:rPr>
+              <a:t>Upperbound-lowerbound</a:t>
+            </a:r>
+            <a:r>
+              <a:rPr lang="en-AU" altLang="en-US" sz="3200" dirty="0">
+                <a:latin typeface="Times New Roman" panose="02020603050405020304" pitchFamily="18" charset="0"/>
+                <a:cs typeface="Times New Roman" panose="02020603050405020304" pitchFamily="18" charset="0"/>
+              </a:rPr>
+              <a:t>)+1</a:t>
             </a:r>
           </a:p>
         </p:txBody>
@@ -16503,7 +16573,7 @@
               </a:lnSpc>
             </a:pPr>
             <a:r>
-              <a:rPr lang="en-AU" altLang="en-US" sz="3200">
+              <a:rPr lang="en-AU" altLang="en-US" sz="3200" dirty="0">
                 <a:latin typeface="Times New Roman" panose="02020603050405020304" pitchFamily="18" charset="0"/>
                 <a:cs typeface="Times New Roman" panose="02020603050405020304" pitchFamily="18" charset="0"/>
               </a:rPr>
@@ -16519,7 +16589,7 @@
               <a:buNone/>
             </a:pPr>
             <a:r>
-              <a:rPr lang="en-AU" altLang="en-US" sz="3200">
+              <a:rPr lang="en-AU" altLang="en-US" sz="3200" dirty="0">
                 <a:latin typeface="Times New Roman" panose="02020603050405020304" pitchFamily="18" charset="0"/>
                 <a:cs typeface="Times New Roman" panose="02020603050405020304" pitchFamily="18" charset="0"/>
               </a:rPr>
@@ -16533,7 +16603,7 @@
               </a:lnSpc>
             </a:pPr>
             <a:r>
-              <a:rPr lang="en-AU" altLang="en-US" sz="3200">
+              <a:rPr lang="en-AU" altLang="en-US" sz="3200" dirty="0">
                 <a:latin typeface="Times New Roman" panose="02020603050405020304" pitchFamily="18" charset="0"/>
                 <a:cs typeface="Times New Roman" panose="02020603050405020304" pitchFamily="18" charset="0"/>
               </a:rPr>
@@ -16546,7 +16616,7 @@
                 <a:spcPct val="90000"/>
               </a:lnSpc>
             </a:pPr>
-            <a:endParaRPr lang="en-AU" altLang="en-US" sz="3200">
+            <a:endParaRPr lang="en-AU" altLang="en-US" sz="3200" dirty="0">
               <a:latin typeface="Times New Roman" panose="02020603050405020304" pitchFamily="18" charset="0"/>
               <a:cs typeface="Times New Roman" panose="02020603050405020304" pitchFamily="18" charset="0"/>
             </a:endParaRPr>
@@ -16559,7 +16629,7 @@
               <a:buFont typeface="Wingdings" panose="05000000000000000000" pitchFamily="2" charset="2"/>
               <a:buNone/>
             </a:pPr>
-            <a:endParaRPr lang="en-AU" altLang="en-US" sz="3200">
+            <a:endParaRPr lang="en-AU" altLang="en-US" sz="3200" dirty="0">
               <a:latin typeface="Times New Roman" panose="02020603050405020304" pitchFamily="18" charset="0"/>
               <a:cs typeface="Times New Roman" panose="02020603050405020304" pitchFamily="18" charset="0"/>
             </a:endParaRPr>
@@ -16570,7 +16640,7 @@
                 <a:spcPct val="90000"/>
               </a:lnSpc>
             </a:pPr>
-            <a:endParaRPr lang="en-AU" altLang="en-US">
+            <a:endParaRPr lang="en-AU" altLang="en-US" dirty="0">
               <a:latin typeface="Times New Roman" panose="02020603050405020304" pitchFamily="18" charset="0"/>
               <a:cs typeface="Times New Roman" panose="02020603050405020304" pitchFamily="18" charset="0"/>
             </a:endParaRPr>
@@ -16660,7 +16730,7 @@
           <a:lstStyle/>
           <a:p>
             <a:r>
-              <a:rPr lang="en-AU" altLang="en-US">
+              <a:rPr lang="en-AU" altLang="en-US" dirty="0">
                 <a:latin typeface="Times New Roman" panose="02020603050405020304" pitchFamily="18" charset="0"/>
                 <a:cs typeface="Times New Roman" panose="02020603050405020304" pitchFamily="18" charset="0"/>
               </a:rPr>
@@ -16673,7 +16743,7 @@
               <a:buNone/>
             </a:pPr>
             <a:r>
-              <a:rPr lang="en-AU" altLang="en-US">
+              <a:rPr lang="en-AU" altLang="en-US" dirty="0">
                 <a:latin typeface="Times New Roman" panose="02020603050405020304" pitchFamily="18" charset="0"/>
                 <a:cs typeface="Times New Roman" panose="02020603050405020304" pitchFamily="18" charset="0"/>
               </a:rPr>
@@ -16682,11 +16752,11 @@
           </a:p>
           <a:p>
             <a:r>
-              <a:rPr lang="en-AU" altLang="en-US">
+              <a:rPr lang="en-AU" altLang="en-US" dirty="0">
                 <a:latin typeface="Times New Roman" panose="02020603050405020304" pitchFamily="18" charset="0"/>
                 <a:cs typeface="Times New Roman" panose="02020603050405020304" pitchFamily="18" charset="0"/>
               </a:rPr>
-              <a:t>You know that a algorithm is a step by step procedure to solve a particular function.</a:t>
+              <a:t>You know that an algorithm is a step by step procedure to solve a particular function.</a:t>
             </a:r>
           </a:p>
           <a:p>
@@ -16694,13 +16764,13 @@
               <a:buFont typeface="Wingdings" panose="05000000000000000000" pitchFamily="2" charset="2"/>
               <a:buNone/>
             </a:pPr>
-            <a:endParaRPr lang="en-AU" altLang="en-US">
+            <a:endParaRPr lang="en-AU" altLang="en-US" dirty="0">
               <a:latin typeface="Times New Roman" panose="02020603050405020304" pitchFamily="18" charset="0"/>
               <a:cs typeface="Times New Roman" panose="02020603050405020304" pitchFamily="18" charset="0"/>
             </a:endParaRPr>
           </a:p>
           <a:p>
-            <a:endParaRPr lang="en-AU" altLang="en-US">
+            <a:endParaRPr lang="en-AU" altLang="en-US" dirty="0">
               <a:latin typeface="Times New Roman" panose="02020603050405020304" pitchFamily="18" charset="0"/>
               <a:cs typeface="Times New Roman" panose="02020603050405020304" pitchFamily="18" charset="0"/>
             </a:endParaRPr>
@@ -16786,7 +16856,7 @@
           <a:p>
             <a:pPr lvl="1"/>
             <a:r>
-              <a:rPr lang="en-AU" altLang="en-US" sz="3200">
+              <a:rPr lang="en-AU" altLang="en-US" sz="3200" dirty="0">
                 <a:latin typeface="Times New Roman" panose="02020603050405020304" pitchFamily="18" charset="0"/>
                 <a:cs typeface="Times New Roman" panose="02020603050405020304" pitchFamily="18" charset="0"/>
               </a:rPr>
@@ -16799,7 +16869,7 @@
               <a:buNone/>
             </a:pPr>
             <a:r>
-              <a:rPr lang="en-AU" altLang="en-US" sz="3200">
+              <a:rPr lang="en-AU" altLang="en-US" sz="3200" dirty="0">
                 <a:latin typeface="Times New Roman" panose="02020603050405020304" pitchFamily="18" charset="0"/>
                 <a:cs typeface="Times New Roman" panose="02020603050405020304" pitchFamily="18" charset="0"/>
               </a:rPr>
@@ -16812,17 +16882,45 @@
               <a:buNone/>
             </a:pPr>
             <a:r>
-              <a:rPr lang="en-AU" altLang="en-US" sz="3200">
+              <a:rPr lang="en-AU" altLang="en-US" sz="3200" dirty="0">
                 <a:latin typeface="Times New Roman" panose="02020603050405020304" pitchFamily="18" charset="0"/>
                 <a:cs typeface="Times New Roman" panose="02020603050405020304" pitchFamily="18" charset="0"/>
               </a:rPr>
-              <a:t>	  scanf(“%d”,&amp;arr[i]);</a:t>
+              <a:t>	  </a:t>
+            </a:r>
+            <a:r>
+              <a:rPr lang="en-AU" altLang="en-US" sz="3200" dirty="0" err="1">
+                <a:latin typeface="Times New Roman" panose="02020603050405020304" pitchFamily="18" charset="0"/>
+                <a:cs typeface="Times New Roman" panose="02020603050405020304" pitchFamily="18" charset="0"/>
+              </a:rPr>
+              <a:t>scanf</a:t>
+            </a:r>
+            <a:r>
+              <a:rPr lang="en-AU" altLang="en-US" sz="3200" dirty="0">
+                <a:latin typeface="Times New Roman" panose="02020603050405020304" pitchFamily="18" charset="0"/>
+                <a:cs typeface="Times New Roman" panose="02020603050405020304" pitchFamily="18" charset="0"/>
+              </a:rPr>
+              <a:t>(“%d”,&amp;</a:t>
+            </a:r>
+            <a:r>
+              <a:rPr lang="en-AU" altLang="en-US" sz="3200" dirty="0" err="1">
+                <a:latin typeface="Times New Roman" panose="02020603050405020304" pitchFamily="18" charset="0"/>
+                <a:cs typeface="Times New Roman" panose="02020603050405020304" pitchFamily="18" charset="0"/>
+              </a:rPr>
+              <a:t>arr</a:t>
+            </a:r>
+            <a:r>
+              <a:rPr lang="en-AU" altLang="en-US" sz="3200" dirty="0">
+                <a:latin typeface="Times New Roman" panose="02020603050405020304" pitchFamily="18" charset="0"/>
+                <a:cs typeface="Times New Roman" panose="02020603050405020304" pitchFamily="18" charset="0"/>
+              </a:rPr>
+              <a:t>[i]);</a:t>
             </a:r>
           </a:p>
           <a:p>
             <a:pPr lvl="1"/>
             <a:r>
-              <a:rPr lang="en-AU" altLang="en-US" sz="3200">
+              <a:rPr lang="en-AU" altLang="en-US" sz="3200" dirty="0">
                 <a:latin typeface="Times New Roman" panose="02020603050405020304" pitchFamily="18" charset="0"/>
                 <a:cs typeface="Times New Roman" panose="02020603050405020304" pitchFamily="18" charset="0"/>
               </a:rPr>
@@ -16835,7 +16933,7 @@
               <a:buNone/>
             </a:pPr>
             <a:r>
-              <a:rPr lang="en-AU" altLang="en-US" sz="3200">
+              <a:rPr lang="en-AU" altLang="en-US" sz="3200" dirty="0">
                 <a:latin typeface="Times New Roman" panose="02020603050405020304" pitchFamily="18" charset="0"/>
                 <a:cs typeface="Times New Roman" panose="02020603050405020304" pitchFamily="18" charset="0"/>
               </a:rPr>
@@ -16848,16 +16946,44 @@
               <a:buNone/>
             </a:pPr>
             <a:r>
-              <a:rPr lang="en-AU" altLang="en-US" sz="3200">
+              <a:rPr lang="en-AU" altLang="en-US" sz="3200" dirty="0">
                 <a:latin typeface="Times New Roman" panose="02020603050405020304" pitchFamily="18" charset="0"/>
                 <a:cs typeface="Times New Roman" panose="02020603050405020304" pitchFamily="18" charset="0"/>
               </a:rPr>
-              <a:t>	  printf(“%d”,arr[i]);</a:t>
+              <a:t>	  </a:t>
+            </a:r>
+            <a:r>
+              <a:rPr lang="en-AU" altLang="en-US" sz="3200" dirty="0" err="1">
+                <a:latin typeface="Times New Roman" panose="02020603050405020304" pitchFamily="18" charset="0"/>
+                <a:cs typeface="Times New Roman" panose="02020603050405020304" pitchFamily="18" charset="0"/>
+              </a:rPr>
+              <a:t>printf</a:t>
+            </a:r>
+            <a:r>
+              <a:rPr lang="en-AU" altLang="en-US" sz="3200" dirty="0">
+                <a:latin typeface="Times New Roman" panose="02020603050405020304" pitchFamily="18" charset="0"/>
+                <a:cs typeface="Times New Roman" panose="02020603050405020304" pitchFamily="18" charset="0"/>
+              </a:rPr>
+              <a:t>(“%d”,</a:t>
+            </a:r>
+            <a:r>
+              <a:rPr lang="en-AU" altLang="en-US" sz="3200" dirty="0" err="1">
+                <a:latin typeface="Times New Roman" panose="02020603050405020304" pitchFamily="18" charset="0"/>
+                <a:cs typeface="Times New Roman" panose="02020603050405020304" pitchFamily="18" charset="0"/>
+              </a:rPr>
+              <a:t>arr</a:t>
+            </a:r>
+            <a:r>
+              <a:rPr lang="en-AU" altLang="en-US" sz="3200" dirty="0">
+                <a:latin typeface="Times New Roman" panose="02020603050405020304" pitchFamily="18" charset="0"/>
+                <a:cs typeface="Times New Roman" panose="02020603050405020304" pitchFamily="18" charset="0"/>
+              </a:rPr>
+              <a:t>[i]);</a:t>
             </a:r>
           </a:p>
           <a:p>
             <a:pPr lvl="1"/>
-            <a:endParaRPr lang="en-AU" altLang="en-US" sz="3200">
+            <a:endParaRPr lang="en-AU" altLang="en-US" sz="3200" dirty="0">
               <a:latin typeface="Times New Roman" panose="02020603050405020304" pitchFamily="18" charset="0"/>
               <a:cs typeface="Times New Roman" panose="02020603050405020304" pitchFamily="18" charset="0"/>
             </a:endParaRPr>
@@ -16867,7 +16993,7 @@
               <a:buFont typeface="Wingdings" panose="05000000000000000000" pitchFamily="2" charset="2"/>
               <a:buNone/>
             </a:pPr>
-            <a:endParaRPr lang="en-AU" altLang="en-US" sz="3200">
+            <a:endParaRPr lang="en-AU" altLang="en-US" sz="3200" dirty="0">
               <a:latin typeface="Times New Roman" panose="02020603050405020304" pitchFamily="18" charset="0"/>
               <a:cs typeface="Times New Roman" panose="02020603050405020304" pitchFamily="18" charset="0"/>
             </a:endParaRPr>
@@ -16877,7 +17003,7 @@
               <a:buFont typeface="Wingdings" panose="05000000000000000000" pitchFamily="2" charset="2"/>
               <a:buNone/>
             </a:pPr>
-            <a:endParaRPr lang="en-AU" altLang="en-US" sz="3200">
+            <a:endParaRPr lang="en-AU" altLang="en-US" sz="3200" dirty="0">
               <a:latin typeface="Times New Roman" panose="02020603050405020304" pitchFamily="18" charset="0"/>
               <a:cs typeface="Times New Roman" panose="02020603050405020304" pitchFamily="18" charset="0"/>
             </a:endParaRPr>
@@ -16887,7 +17013,7 @@
               <a:buFont typeface="Wingdings" panose="05000000000000000000" pitchFamily="2" charset="2"/>
               <a:buNone/>
             </a:pPr>
-            <a:endParaRPr lang="en-AU" altLang="en-US" sz="3200">
+            <a:endParaRPr lang="en-AU" altLang="en-US" sz="3200" dirty="0">
               <a:latin typeface="Times New Roman" panose="02020603050405020304" pitchFamily="18" charset="0"/>
               <a:cs typeface="Times New Roman" panose="02020603050405020304" pitchFamily="18" charset="0"/>
             </a:endParaRPr>
@@ -16897,7 +17023,7 @@
               <a:buFont typeface="Wingdings" panose="05000000000000000000" pitchFamily="2" charset="2"/>
               <a:buNone/>
             </a:pPr>
-            <a:endParaRPr lang="en-AU" altLang="en-US" sz="3200">
+            <a:endParaRPr lang="en-AU" altLang="en-US" sz="3200" dirty="0">
               <a:latin typeface="Times New Roman" panose="02020603050405020304" pitchFamily="18" charset="0"/>
               <a:cs typeface="Times New Roman" panose="02020603050405020304" pitchFamily="18" charset="0"/>
             </a:endParaRPr>
@@ -16983,7 +17109,7 @@
           <a:p>
             <a:pPr lvl="1"/>
             <a:r>
-              <a:rPr lang="en-AU" altLang="en-US" sz="3200">
+              <a:rPr lang="en-AU" altLang="en-US" sz="3200" dirty="0">
                 <a:latin typeface="Times New Roman" panose="02020603050405020304" pitchFamily="18" charset="0"/>
                 <a:cs typeface="Times New Roman" panose="02020603050405020304" pitchFamily="18" charset="0"/>
               </a:rPr>
@@ -16993,7 +17119,7 @@
           <a:p>
             <a:pPr lvl="1"/>
             <a:r>
-              <a:rPr lang="en-AU" altLang="en-US" sz="3200">
+              <a:rPr lang="en-AU" altLang="en-US" sz="3200" dirty="0">
                 <a:latin typeface="Times New Roman" panose="02020603050405020304" pitchFamily="18" charset="0"/>
                 <a:cs typeface="Times New Roman" panose="02020603050405020304" pitchFamily="18" charset="0"/>
               </a:rPr>
@@ -17003,7 +17129,7 @@
           <a:p>
             <a:pPr lvl="2"/>
             <a:r>
-              <a:rPr lang="en-AU" altLang="en-US" sz="2800">
+              <a:rPr lang="en-AU" altLang="en-US" sz="2800" dirty="0">
                 <a:latin typeface="Times New Roman" panose="02020603050405020304" pitchFamily="18" charset="0"/>
                 <a:cs typeface="Times New Roman" panose="02020603050405020304" pitchFamily="18" charset="0"/>
               </a:rPr>
@@ -17013,7 +17139,7 @@
           <a:p>
             <a:pPr lvl="2"/>
             <a:r>
-              <a:rPr lang="en-AU" altLang="en-US" sz="2800">
+              <a:rPr lang="en-AU" altLang="en-US" sz="2800" dirty="0">
                 <a:latin typeface="Times New Roman" panose="02020603050405020304" pitchFamily="18" charset="0"/>
                 <a:cs typeface="Times New Roman" panose="02020603050405020304" pitchFamily="18" charset="0"/>
               </a:rPr>
@@ -17101,7 +17227,7 @@
           <a:p>
             <a:pPr lvl="1"/>
             <a:r>
-              <a:rPr lang="en-AU" altLang="en-US" sz="3200">
+              <a:rPr lang="en-AU" altLang="en-US" sz="3200" dirty="0">
                 <a:latin typeface="Times New Roman" panose="02020603050405020304" pitchFamily="18" charset="0"/>
                 <a:cs typeface="Times New Roman" panose="02020603050405020304" pitchFamily="18" charset="0"/>
               </a:rPr>
@@ -17111,7 +17237,7 @@
           <a:p>
             <a:pPr lvl="1"/>
             <a:r>
-              <a:rPr lang="en-AU" altLang="en-US" sz="3200">
+              <a:rPr lang="en-AU" altLang="en-US" sz="3200" dirty="0">
                 <a:latin typeface="Times New Roman" panose="02020603050405020304" pitchFamily="18" charset="0"/>
                 <a:cs typeface="Times New Roman" panose="02020603050405020304" pitchFamily="18" charset="0"/>
               </a:rPr>
@@ -17121,7 +17247,7 @@
           <a:p>
             <a:pPr lvl="1"/>
             <a:r>
-              <a:rPr lang="en-AU" altLang="en-US" sz="3200">
+              <a:rPr lang="en-AU" altLang="en-US" sz="3200" dirty="0">
                 <a:latin typeface="Times New Roman" panose="02020603050405020304" pitchFamily="18" charset="0"/>
                 <a:cs typeface="Times New Roman" panose="02020603050405020304" pitchFamily="18" charset="0"/>
               </a:rPr>
@@ -17131,7 +17257,7 @@
           <a:p>
             <a:pPr lvl="1"/>
             <a:r>
-              <a:rPr lang="en-AU" altLang="en-US" sz="3200">
+              <a:rPr lang="en-AU" altLang="en-US" sz="3200" dirty="0">
                 <a:latin typeface="Times New Roman" panose="02020603050405020304" pitchFamily="18" charset="0"/>
                 <a:cs typeface="Times New Roman" panose="02020603050405020304" pitchFamily="18" charset="0"/>
               </a:rPr>
@@ -17140,7 +17266,7 @@
           </a:p>
           <a:p>
             <a:pPr lvl="1"/>
-            <a:endParaRPr lang="en-AU" altLang="en-US" sz="3200">
+            <a:endParaRPr lang="en-AU" altLang="en-US" sz="3200" dirty="0">
               <a:latin typeface="Times New Roman" panose="02020603050405020304" pitchFamily="18" charset="0"/>
               <a:cs typeface="Times New Roman" panose="02020603050405020304" pitchFamily="18" charset="0"/>
             </a:endParaRPr>
@@ -17235,7 +17361,7 @@
               </a:lnSpc>
             </a:pPr>
             <a:r>
-              <a:rPr lang="en-AU" altLang="en-US">
+              <a:rPr lang="en-AU" altLang="en-US" dirty="0">
                 <a:latin typeface="Times New Roman" panose="02020603050405020304" pitchFamily="18" charset="0"/>
                 <a:cs typeface="Times New Roman" panose="02020603050405020304" pitchFamily="18" charset="0"/>
               </a:rPr>
@@ -17249,7 +17375,7 @@
               </a:lnSpc>
             </a:pPr>
             <a:r>
-              <a:rPr lang="en-AU" altLang="en-US">
+              <a:rPr lang="en-AU" altLang="en-US" dirty="0">
                 <a:latin typeface="Times New Roman" panose="02020603050405020304" pitchFamily="18" charset="0"/>
                 <a:cs typeface="Times New Roman" panose="02020603050405020304" pitchFamily="18" charset="0"/>
               </a:rPr>
@@ -17263,7 +17389,7 @@
               </a:lnSpc>
             </a:pPr>
             <a:r>
-              <a:rPr lang="en-AU" altLang="en-US">
+              <a:rPr lang="en-AU" altLang="en-US" dirty="0">
                 <a:latin typeface="Times New Roman" panose="02020603050405020304" pitchFamily="18" charset="0"/>
                 <a:cs typeface="Times New Roman" panose="02020603050405020304" pitchFamily="18" charset="0"/>
               </a:rPr>
@@ -17277,7 +17403,7 @@
               </a:lnSpc>
             </a:pPr>
             <a:r>
-              <a:rPr lang="en-AU" altLang="en-US">
+              <a:rPr lang="en-AU" altLang="en-US" dirty="0">
                 <a:latin typeface="Times New Roman" panose="02020603050405020304" pitchFamily="18" charset="0"/>
                 <a:cs typeface="Times New Roman" panose="02020603050405020304" pitchFamily="18" charset="0"/>
               </a:rPr>
@@ -18515,7 +18641,7 @@
               </a:lnSpc>
             </a:pPr>
             <a:r>
-              <a:rPr lang="en-AU" altLang="en-US">
+              <a:rPr lang="en-AU" altLang="en-US" dirty="0">
                 <a:latin typeface="Times New Roman" panose="02020603050405020304" pitchFamily="18" charset="0"/>
                 <a:cs typeface="Times New Roman" panose="02020603050405020304" pitchFamily="18" charset="0"/>
               </a:rPr>
@@ -18529,7 +18655,7 @@
               </a:lnSpc>
             </a:pPr>
             <a:r>
-              <a:rPr lang="en-AU" altLang="en-US">
+              <a:rPr lang="en-AU" altLang="en-US" dirty="0">
                 <a:latin typeface="Times New Roman" panose="02020603050405020304" pitchFamily="18" charset="0"/>
                 <a:cs typeface="Times New Roman" panose="02020603050405020304" pitchFamily="18" charset="0"/>
               </a:rPr>
@@ -18543,7 +18669,7 @@
               </a:lnSpc>
             </a:pPr>
             <a:r>
-              <a:rPr lang="en-AU" altLang="en-US">
+              <a:rPr lang="en-AU" altLang="en-US" dirty="0">
                 <a:latin typeface="Times New Roman" panose="02020603050405020304" pitchFamily="18" charset="0"/>
                 <a:cs typeface="Times New Roman" panose="02020603050405020304" pitchFamily="18" charset="0"/>
               </a:rPr>
@@ -18557,7 +18683,7 @@
               </a:lnSpc>
             </a:pPr>
             <a:r>
-              <a:rPr lang="en-AU" altLang="en-US">
+              <a:rPr lang="en-AU" altLang="en-US" dirty="0">
                 <a:latin typeface="Times New Roman" panose="02020603050405020304" pitchFamily="18" charset="0"/>
                 <a:cs typeface="Times New Roman" panose="02020603050405020304" pitchFamily="18" charset="0"/>
               </a:rPr>
@@ -18571,7 +18697,7 @@
               </a:lnSpc>
             </a:pPr>
             <a:r>
-              <a:rPr lang="en-AU" altLang="en-US">
+              <a:rPr lang="en-AU" altLang="en-US" dirty="0">
                 <a:latin typeface="Times New Roman" panose="02020603050405020304" pitchFamily="18" charset="0"/>
                 <a:cs typeface="Times New Roman" panose="02020603050405020304" pitchFamily="18" charset="0"/>
               </a:rPr>
@@ -18759,7 +18885,7 @@
           <a:lstStyle/>
           <a:p>
             <a:r>
-              <a:rPr lang="en-AU" altLang="en-US">
+              <a:rPr lang="en-AU" altLang="en-US" dirty="0">
                 <a:latin typeface="Times New Roman" panose="02020603050405020304" pitchFamily="18" charset="0"/>
                 <a:cs typeface="Times New Roman" panose="02020603050405020304" pitchFamily="18" charset="0"/>
               </a:rPr>
@@ -18768,7 +18894,7 @@
           </a:p>
           <a:p>
             <a:r>
-              <a:rPr lang="en-AU" altLang="en-US">
+              <a:rPr lang="en-AU" altLang="en-US" dirty="0">
                 <a:latin typeface="Times New Roman" panose="02020603050405020304" pitchFamily="18" charset="0"/>
                 <a:cs typeface="Times New Roman" panose="02020603050405020304" pitchFamily="18" charset="0"/>
               </a:rPr>
@@ -18777,7 +18903,7 @@
           </a:p>
           <a:p>
             <a:r>
-              <a:rPr lang="en-AU" altLang="en-US">
+              <a:rPr lang="en-AU" altLang="en-US" dirty="0">
                 <a:latin typeface="Times New Roman" panose="02020603050405020304" pitchFamily="18" charset="0"/>
                 <a:cs typeface="Times New Roman" panose="02020603050405020304" pitchFamily="18" charset="0"/>
               </a:rPr>
@@ -19986,7 +20112,7 @@
           <a:lstStyle/>
           <a:p>
             <a:r>
-              <a:rPr lang="en-AU" altLang="en-US">
+              <a:rPr lang="en-AU" altLang="en-US" dirty="0">
                 <a:latin typeface="Times New Roman" panose="02020603050405020304" pitchFamily="18" charset="0"/>
                 <a:cs typeface="Times New Roman" panose="02020603050405020304" pitchFamily="18" charset="0"/>
               </a:rPr>
@@ -19996,7 +20122,7 @@
           <a:p>
             <a:pPr lvl="1"/>
             <a:r>
-              <a:rPr lang="en-AU" altLang="en-US" sz="3200">
+              <a:rPr lang="en-AU" altLang="en-US" sz="3200" dirty="0">
                 <a:latin typeface="Times New Roman" panose="02020603050405020304" pitchFamily="18" charset="0"/>
                 <a:cs typeface="Times New Roman" panose="02020603050405020304" pitchFamily="18" charset="0"/>
               </a:rPr>
@@ -20006,7 +20132,7 @@
           <a:p>
             <a:pPr lvl="1"/>
             <a:r>
-              <a:rPr lang="en-AU" altLang="en-US" sz="3200">
+              <a:rPr lang="en-AU" altLang="en-US" sz="3200" dirty="0">
                 <a:latin typeface="Times New Roman" panose="02020603050405020304" pitchFamily="18" charset="0"/>
                 <a:cs typeface="Times New Roman" panose="02020603050405020304" pitchFamily="18" charset="0"/>
               </a:rPr>
@@ -20098,7 +20224,7 @@
           <a:lstStyle/>
           <a:p>
             <a:r>
-              <a:rPr lang="en-AU" altLang="en-US">
+              <a:rPr lang="en-AU" altLang="en-US" dirty="0">
                 <a:latin typeface="Times New Roman" panose="02020603050405020304" pitchFamily="18" charset="0"/>
                 <a:cs typeface="Times New Roman" panose="02020603050405020304" pitchFamily="18" charset="0"/>
               </a:rPr>
@@ -20107,7 +20233,7 @@
           </a:p>
           <a:p>
             <a:r>
-              <a:rPr lang="en-AU" altLang="en-US">
+              <a:rPr lang="en-AU" altLang="en-US" dirty="0">
                 <a:latin typeface="Times New Roman" panose="02020603050405020304" pitchFamily="18" charset="0"/>
                 <a:cs typeface="Times New Roman" panose="02020603050405020304" pitchFamily="18" charset="0"/>
               </a:rPr>
@@ -20116,7 +20242,7 @@
           </a:p>
           <a:p>
             <a:r>
-              <a:rPr lang="en-AU" altLang="en-US">
+              <a:rPr lang="en-AU" altLang="en-US" dirty="0">
                 <a:latin typeface="Times New Roman" panose="02020603050405020304" pitchFamily="18" charset="0"/>
                 <a:cs typeface="Times New Roman" panose="02020603050405020304" pitchFamily="18" charset="0"/>
               </a:rPr>
@@ -22019,7 +22145,7 @@
           <a:lstStyle/>
           <a:p>
             <a:r>
-              <a:rPr lang="en-AU" altLang="en-US">
+              <a:rPr lang="en-AU" altLang="en-US" dirty="0">
                 <a:latin typeface="Times New Roman" panose="02020603050405020304" pitchFamily="18" charset="0"/>
                 <a:cs typeface="Times New Roman" panose="02020603050405020304" pitchFamily="18" charset="0"/>
               </a:rPr>
@@ -22029,7 +22155,7 @@
           <a:p>
             <a:pPr lvl="1"/>
             <a:r>
-              <a:rPr lang="en-AU" altLang="en-US" sz="3200">
+              <a:rPr lang="en-AU" altLang="en-US" sz="3200" dirty="0">
                 <a:latin typeface="Times New Roman" panose="02020603050405020304" pitchFamily="18" charset="0"/>
                 <a:cs typeface="Times New Roman" panose="02020603050405020304" pitchFamily="18" charset="0"/>
               </a:rPr>
@@ -22039,7 +22165,7 @@
           <a:p>
             <a:pPr lvl="1"/>
             <a:r>
-              <a:rPr lang="en-AU" altLang="en-US" sz="3200">
+              <a:rPr lang="en-AU" altLang="en-US" sz="3200" dirty="0">
                 <a:latin typeface="Times New Roman" panose="02020603050405020304" pitchFamily="18" charset="0"/>
                 <a:cs typeface="Times New Roman" panose="02020603050405020304" pitchFamily="18" charset="0"/>
               </a:rPr>
@@ -22047,7 +22173,7 @@
             </a:r>
           </a:p>
           <a:p>
-            <a:endParaRPr lang="en-AU" altLang="en-US">
+            <a:endParaRPr lang="en-AU" altLang="en-US" dirty="0">
               <a:latin typeface="Times New Roman" panose="02020603050405020304" pitchFamily="18" charset="0"/>
               <a:cs typeface="Times New Roman" panose="02020603050405020304" pitchFamily="18" charset="0"/>
             </a:endParaRPr>
@@ -23973,7 +24099,7 @@
           <a:lstStyle/>
           <a:p>
             <a:r>
-              <a:rPr lang="en-AU" altLang="en-US">
+              <a:rPr lang="en-AU" altLang="en-US" dirty="0">
                 <a:latin typeface="Times New Roman" panose="02020603050405020304" pitchFamily="18" charset="0"/>
                 <a:cs typeface="Times New Roman" panose="02020603050405020304" pitchFamily="18" charset="0"/>
               </a:rPr>
@@ -23982,7 +24108,7 @@
           </a:p>
           <a:p>
             <a:r>
-              <a:rPr lang="en-AU" altLang="en-US">
+              <a:rPr lang="en-AU" altLang="en-US" dirty="0">
                 <a:latin typeface="Times New Roman" panose="02020603050405020304" pitchFamily="18" charset="0"/>
                 <a:cs typeface="Times New Roman" panose="02020603050405020304" pitchFamily="18" charset="0"/>
               </a:rPr>
@@ -23991,7 +24117,7 @@
           </a:p>
           <a:p>
             <a:r>
-              <a:rPr lang="en-AU" altLang="en-US">
+              <a:rPr lang="en-AU" altLang="en-US" dirty="0">
                 <a:latin typeface="Times New Roman" panose="02020603050405020304" pitchFamily="18" charset="0"/>
                 <a:cs typeface="Times New Roman" panose="02020603050405020304" pitchFamily="18" charset="0"/>
               </a:rPr>
@@ -24078,7 +24204,7 @@
           <a:lstStyle/>
           <a:p>
             <a:r>
-              <a:rPr lang="en-AU" altLang="en-US">
+              <a:rPr lang="en-AU" altLang="en-US" dirty="0">
                 <a:latin typeface="Times New Roman" panose="02020603050405020304" pitchFamily="18" charset="0"/>
                 <a:cs typeface="Times New Roman" panose="02020603050405020304" pitchFamily="18" charset="0"/>
               </a:rPr>
@@ -24087,7 +24213,7 @@
           </a:p>
           <a:p>
             <a:r>
-              <a:rPr lang="en-AU" altLang="en-US">
+              <a:rPr lang="en-AU" altLang="en-US" dirty="0">
                 <a:latin typeface="Times New Roman" panose="02020603050405020304" pitchFamily="18" charset="0"/>
                 <a:cs typeface="Times New Roman" panose="02020603050405020304" pitchFamily="18" charset="0"/>
               </a:rPr>
@@ -24143,7 +24269,7 @@
           <a:lstStyle/>
           <a:p>
             <a:r>
-              <a:rPr lang="en-AU" altLang="en-US" sz="4000" b="1">
+              <a:rPr lang="en-AU" altLang="en-US" sz="4000" b="1" dirty="0">
                 <a:latin typeface="Times New Roman" panose="02020603050405020304" pitchFamily="18" charset="0"/>
                 <a:cs typeface="Times New Roman" panose="02020603050405020304" pitchFamily="18" charset="0"/>
               </a:rPr>
@@ -24179,7 +24305,7 @@
           <a:lstStyle/>
           <a:p>
             <a:r>
-              <a:rPr lang="en-AU" altLang="en-US">
+              <a:rPr lang="en-AU" altLang="en-US" dirty="0">
                 <a:latin typeface="Times New Roman" panose="02020603050405020304" pitchFamily="18" charset="0"/>
                 <a:cs typeface="Times New Roman" panose="02020603050405020304" pitchFamily="18" charset="0"/>
               </a:rPr>
@@ -24624,7 +24750,7 @@
                   </a:spcBef>
                 </a:pPr>
                 <a:r>
-                  <a:rPr lang="en-AU" altLang="en-US" sz="2000"/>
+                  <a:rPr lang="en-AU" altLang="en-US" sz="2000" dirty="0"/>
                   <a:t>v1</a:t>
                 </a:r>
               </a:p>
@@ -26251,7 +26377,7 @@
               </a:spcBef>
             </a:pPr>
             <a:r>
-              <a:rPr lang="en-AU" altLang="en-US" sz="2000"/>
+              <a:rPr lang="en-AU" altLang="en-US" sz="2000" dirty="0"/>
               <a:t>v2</a:t>
             </a:r>
           </a:p>
@@ -26809,7 +26935,7 @@
               </a:spcBef>
             </a:pPr>
             <a:r>
-              <a:rPr lang="en-AU" altLang="en-US"/>
+              <a:rPr lang="en-AU" altLang="en-US" dirty="0"/>
               <a:t>[a] Directed &amp; Weighted Graph</a:t>
             </a:r>
           </a:p>
@@ -26883,7 +27009,7 @@
               </a:spcBef>
             </a:pPr>
             <a:r>
-              <a:rPr lang="en-AU" altLang="en-US"/>
+              <a:rPr lang="en-AU" altLang="en-US" dirty="0"/>
               <a:t>[b] Undirected Graph</a:t>
             </a:r>
           </a:p>
@@ -26967,7 +27093,7 @@
           <a:lstStyle/>
           <a:p>
             <a:r>
-              <a:rPr lang="en-AU" altLang="en-US">
+              <a:rPr lang="en-AU" altLang="en-US" dirty="0">
                 <a:latin typeface="Times New Roman" panose="02020603050405020304" pitchFamily="18" charset="0"/>
                 <a:cs typeface="Times New Roman" panose="02020603050405020304" pitchFamily="18" charset="0"/>
               </a:rPr>
@@ -26977,7 +27103,7 @@
           <a:p>
             <a:pPr lvl="1"/>
             <a:r>
-              <a:rPr lang="en-AU" altLang="en-US" sz="3200">
+              <a:rPr lang="en-AU" altLang="en-US" sz="3200" dirty="0">
                 <a:latin typeface="Times New Roman" panose="02020603050405020304" pitchFamily="18" charset="0"/>
                 <a:cs typeface="Times New Roman" panose="02020603050405020304" pitchFamily="18" charset="0"/>
               </a:rPr>
@@ -26987,7 +27113,7 @@
           <a:p>
             <a:pPr lvl="1"/>
             <a:r>
-              <a:rPr lang="en-AU" altLang="en-US" sz="3200">
+              <a:rPr lang="en-AU" altLang="en-US" sz="3200" dirty="0">
                 <a:latin typeface="Times New Roman" panose="02020603050405020304" pitchFamily="18" charset="0"/>
                 <a:cs typeface="Times New Roman" panose="02020603050405020304" pitchFamily="18" charset="0"/>
               </a:rPr>
@@ -26997,7 +27123,7 @@
           <a:p>
             <a:pPr lvl="1"/>
             <a:r>
-              <a:rPr lang="en-AU" altLang="en-US" sz="3200">
+              <a:rPr lang="en-AU" altLang="en-US" sz="3200" dirty="0">
                 <a:latin typeface="Times New Roman" panose="02020603050405020304" pitchFamily="18" charset="0"/>
                 <a:cs typeface="Times New Roman" panose="02020603050405020304" pitchFamily="18" charset="0"/>
               </a:rPr>
@@ -27007,7 +27133,7 @@
           <a:p>
             <a:pPr lvl="1"/>
             <a:r>
-              <a:rPr lang="en-AU" altLang="en-US" sz="3200">
+              <a:rPr lang="en-AU" altLang="en-US" sz="3200" dirty="0">
                 <a:latin typeface="Times New Roman" panose="02020603050405020304" pitchFamily="18" charset="0"/>
                 <a:cs typeface="Times New Roman" panose="02020603050405020304" pitchFamily="18" charset="0"/>
               </a:rPr>
@@ -27017,7 +27143,7 @@
           <a:p>
             <a:pPr lvl="1"/>
             <a:r>
-              <a:rPr lang="en-AU" altLang="en-US" sz="3200">
+              <a:rPr lang="en-AU" altLang="en-US" sz="3200" dirty="0">
                 <a:latin typeface="Times New Roman" panose="02020603050405020304" pitchFamily="18" charset="0"/>
                 <a:cs typeface="Times New Roman" panose="02020603050405020304" pitchFamily="18" charset="0"/>
               </a:rPr>
@@ -27027,7 +27153,7 @@
           <a:p>
             <a:pPr lvl="1"/>
             <a:r>
-              <a:rPr lang="en-AU" altLang="en-US" sz="3200">
+              <a:rPr lang="en-AU" altLang="en-US" sz="3200" dirty="0">
                 <a:latin typeface="Times New Roman" panose="02020603050405020304" pitchFamily="18" charset="0"/>
                 <a:cs typeface="Times New Roman" panose="02020603050405020304" pitchFamily="18" charset="0"/>
               </a:rPr>
@@ -27083,7 +27209,7 @@
           <a:lstStyle/>
           <a:p>
             <a:r>
-              <a:rPr lang="en-AU" altLang="en-US" sz="4000" b="1">
+              <a:rPr lang="en-AU" altLang="en-US" sz="4000" b="1" dirty="0">
                 <a:latin typeface="Times New Roman" panose="02020603050405020304" pitchFamily="18" charset="0"/>
                 <a:cs typeface="Times New Roman" panose="02020603050405020304" pitchFamily="18" charset="0"/>
               </a:rPr>
@@ -27114,7 +27240,7 @@
           <a:lstStyle/>
           <a:p>
             <a:r>
-              <a:rPr lang="en-AU" altLang="en-US">
+              <a:rPr lang="en-AU" altLang="en-US" dirty="0">
                 <a:latin typeface="Times New Roman" panose="02020603050405020304" pitchFamily="18" charset="0"/>
                 <a:cs typeface="Times New Roman" panose="02020603050405020304" pitchFamily="18" charset="0"/>
               </a:rPr>
@@ -27124,7 +27250,7 @@
           <a:p>
             <a:pPr lvl="1"/>
             <a:r>
-              <a:rPr lang="en-AU" altLang="en-US" sz="3200">
+              <a:rPr lang="en-AU" altLang="en-US" sz="3200" dirty="0">
                 <a:latin typeface="Times New Roman" panose="02020603050405020304" pitchFamily="18" charset="0"/>
                 <a:cs typeface="Times New Roman" panose="02020603050405020304" pitchFamily="18" charset="0"/>
               </a:rPr>
@@ -27134,7 +27260,7 @@
           <a:p>
             <a:pPr lvl="1"/>
             <a:r>
-              <a:rPr lang="en-AU" altLang="en-US" sz="3200">
+              <a:rPr lang="en-AU" altLang="en-US" sz="3200" dirty="0">
                 <a:latin typeface="Times New Roman" panose="02020603050405020304" pitchFamily="18" charset="0"/>
                 <a:cs typeface="Times New Roman" panose="02020603050405020304" pitchFamily="18" charset="0"/>
               </a:rPr>
@@ -27143,7 +27269,7 @@
           </a:p>
           <a:p>
             <a:pPr lvl="1"/>
-            <a:endParaRPr lang="en-AU" altLang="en-US" sz="3200">
+            <a:endParaRPr lang="en-AU" altLang="en-US" sz="3200" dirty="0">
               <a:latin typeface="Times New Roman" panose="02020603050405020304" pitchFamily="18" charset="0"/>
               <a:cs typeface="Times New Roman" panose="02020603050405020304" pitchFamily="18" charset="0"/>
             </a:endParaRPr>
@@ -27153,7 +27279,7 @@
               <a:buFont typeface="Wingdings" panose="05000000000000000000" pitchFamily="2" charset="2"/>
               <a:buNone/>
             </a:pPr>
-            <a:endParaRPr lang="en-AU" altLang="en-US" sz="3200">
+            <a:endParaRPr lang="en-AU" altLang="en-US" sz="3200" dirty="0">
               <a:latin typeface="Times New Roman" panose="02020603050405020304" pitchFamily="18" charset="0"/>
               <a:cs typeface="Times New Roman" panose="02020603050405020304" pitchFamily="18" charset="0"/>
             </a:endParaRPr>
